--- a/SelfLearn/爬蟲/190119_Scrapy框架/中間件關係.pptx
+++ b/SelfLearn/爬蟲/190119_Scrapy框架/中間件關係.pptx
@@ -104,6 +104,11 @@
       </a:defRPr>
     </a:lvl9pPr>
   </p:defaultTextStyle>
+  <p:extLst>
+    <p:ext uri="{EFAFB233-063F-42B5-8137-9DF3F51BA10A}">
+      <p15:sldGuideLst xmlns:p15="http://schemas.microsoft.com/office/powerpoint/2012/main"/>
+    </p:ext>
+  </p:extLst>
 </p:presentation>
 </file>
 
@@ -254,7 +259,7 @@
           <a:p>
             <a:fld id="{8FB9F8EE-9117-47B1-B67F-0DC0CDB9E894}" type="datetimeFigureOut">
               <a:rPr lang="zh-TW" altLang="en-US" smtClean="0"/>
-              <a:t>2019/1/24</a:t>
+              <a:t>2019/2/26</a:t>
             </a:fld>
             <a:endParaRPr lang="zh-TW" altLang="en-US"/>
           </a:p>
@@ -452,7 +457,7 @@
           <a:p>
             <a:fld id="{8FB9F8EE-9117-47B1-B67F-0DC0CDB9E894}" type="datetimeFigureOut">
               <a:rPr lang="zh-TW" altLang="en-US" smtClean="0"/>
-              <a:t>2019/1/24</a:t>
+              <a:t>2019/2/26</a:t>
             </a:fld>
             <a:endParaRPr lang="zh-TW" altLang="en-US"/>
           </a:p>
@@ -660,7 +665,7 @@
           <a:p>
             <a:fld id="{8FB9F8EE-9117-47B1-B67F-0DC0CDB9E894}" type="datetimeFigureOut">
               <a:rPr lang="zh-TW" altLang="en-US" smtClean="0"/>
-              <a:t>2019/1/24</a:t>
+              <a:t>2019/2/26</a:t>
             </a:fld>
             <a:endParaRPr lang="zh-TW" altLang="en-US"/>
           </a:p>
@@ -858,7 +863,7 @@
           <a:p>
             <a:fld id="{8FB9F8EE-9117-47B1-B67F-0DC0CDB9E894}" type="datetimeFigureOut">
               <a:rPr lang="zh-TW" altLang="en-US" smtClean="0"/>
-              <a:t>2019/1/24</a:t>
+              <a:t>2019/2/26</a:t>
             </a:fld>
             <a:endParaRPr lang="zh-TW" altLang="en-US"/>
           </a:p>
@@ -1133,7 +1138,7 @@
           <a:p>
             <a:fld id="{8FB9F8EE-9117-47B1-B67F-0DC0CDB9E894}" type="datetimeFigureOut">
               <a:rPr lang="zh-TW" altLang="en-US" smtClean="0"/>
-              <a:t>2019/1/24</a:t>
+              <a:t>2019/2/26</a:t>
             </a:fld>
             <a:endParaRPr lang="zh-TW" altLang="en-US"/>
           </a:p>
@@ -1398,7 +1403,7 @@
           <a:p>
             <a:fld id="{8FB9F8EE-9117-47B1-B67F-0DC0CDB9E894}" type="datetimeFigureOut">
               <a:rPr lang="zh-TW" altLang="en-US" smtClean="0"/>
-              <a:t>2019/1/24</a:t>
+              <a:t>2019/2/26</a:t>
             </a:fld>
             <a:endParaRPr lang="zh-TW" altLang="en-US"/>
           </a:p>
@@ -1810,7 +1815,7 @@
           <a:p>
             <a:fld id="{8FB9F8EE-9117-47B1-B67F-0DC0CDB9E894}" type="datetimeFigureOut">
               <a:rPr lang="zh-TW" altLang="en-US" smtClean="0"/>
-              <a:t>2019/1/24</a:t>
+              <a:t>2019/2/26</a:t>
             </a:fld>
             <a:endParaRPr lang="zh-TW" altLang="en-US"/>
           </a:p>
@@ -1951,7 +1956,7 @@
           <a:p>
             <a:fld id="{8FB9F8EE-9117-47B1-B67F-0DC0CDB9E894}" type="datetimeFigureOut">
               <a:rPr lang="zh-TW" altLang="en-US" smtClean="0"/>
-              <a:t>2019/1/24</a:t>
+              <a:t>2019/2/26</a:t>
             </a:fld>
             <a:endParaRPr lang="zh-TW" altLang="en-US"/>
           </a:p>
@@ -2064,7 +2069,7 @@
           <a:p>
             <a:fld id="{8FB9F8EE-9117-47B1-B67F-0DC0CDB9E894}" type="datetimeFigureOut">
               <a:rPr lang="zh-TW" altLang="en-US" smtClean="0"/>
-              <a:t>2019/1/24</a:t>
+              <a:t>2019/2/26</a:t>
             </a:fld>
             <a:endParaRPr lang="zh-TW" altLang="en-US"/>
           </a:p>
@@ -2375,7 +2380,7 @@
           <a:p>
             <a:fld id="{8FB9F8EE-9117-47B1-B67F-0DC0CDB9E894}" type="datetimeFigureOut">
               <a:rPr lang="zh-TW" altLang="en-US" smtClean="0"/>
-              <a:t>2019/1/24</a:t>
+              <a:t>2019/2/26</a:t>
             </a:fld>
             <a:endParaRPr lang="zh-TW" altLang="en-US"/>
           </a:p>
@@ -2663,7 +2668,7 @@
           <a:p>
             <a:fld id="{8FB9F8EE-9117-47B1-B67F-0DC0CDB9E894}" type="datetimeFigureOut">
               <a:rPr lang="zh-TW" altLang="en-US" smtClean="0"/>
-              <a:t>2019/1/24</a:t>
+              <a:t>2019/2/26</a:t>
             </a:fld>
             <a:endParaRPr lang="zh-TW" altLang="en-US"/>
           </a:p>
@@ -2904,7 +2909,7 @@
           <a:p>
             <a:fld id="{8FB9F8EE-9117-47B1-B67F-0DC0CDB9E894}" type="datetimeFigureOut">
               <a:rPr lang="zh-TW" altLang="en-US" smtClean="0"/>
-              <a:t>2019/1/24</a:t>
+              <a:t>2019/2/26</a:t>
             </a:fld>
             <a:endParaRPr lang="zh-TW" altLang="en-US"/>
           </a:p>
@@ -4298,7 +4303,7 @@
         </p:nvSpPr>
         <p:spPr>
           <a:xfrm>
-            <a:off x="6044266" y="4281514"/>
+            <a:off x="6044266" y="4213211"/>
             <a:ext cx="981359" cy="369332"/>
           </a:xfrm>
           <a:prstGeom prst="rect">
